--- a/PROF/Céline - Latex/LYCEE/2nd/CHAP 2 Fonctions affines/2nd - Exercices -Fonctions affines.pptx
+++ b/PROF/Céline - Latex/LYCEE/2nd/CHAP 2 Fonctions affines/2nd - Exercices -Fonctions affines.pptx
@@ -26,13 +26,14 @@
     <p:sldId id="288" r:id="rId20"/>
     <p:sldId id="278" r:id="rId21"/>
     <p:sldId id="280" r:id="rId22"/>
-    <p:sldId id="282" r:id="rId23"/>
-    <p:sldId id="281" r:id="rId24"/>
-    <p:sldId id="283" r:id="rId25"/>
-    <p:sldId id="284" r:id="rId26"/>
-    <p:sldId id="285" r:id="rId27"/>
-    <p:sldId id="286" r:id="rId28"/>
-    <p:sldId id="287" r:id="rId29"/>
+    <p:sldId id="289" r:id="rId23"/>
+    <p:sldId id="282" r:id="rId24"/>
+    <p:sldId id="281" r:id="rId25"/>
+    <p:sldId id="283" r:id="rId26"/>
+    <p:sldId id="284" r:id="rId27"/>
+    <p:sldId id="285" r:id="rId28"/>
+    <p:sldId id="286" r:id="rId29"/>
+    <p:sldId id="287" r:id="rId30"/>
   </p:sldIdLst>
   <p:sldSz cx="12192000" cy="6858000"/>
   <p:notesSz cx="6858000" cy="9144000"/>
@@ -288,7 +289,7 @@
           <a:p>
             <a:fld id="{71FE8A20-26B6-41D6-928F-0D0D3C622D3C}" type="datetimeFigureOut">
               <a:rPr lang="en-GB" smtClean="0"/>
-              <a:t>13/11/2024</a:t>
+              <a:t>14/11/2024</a:t>
             </a:fld>
             <a:endParaRPr lang="en-GB"/>
           </a:p>
@@ -488,7 +489,7 @@
           <a:p>
             <a:fld id="{71FE8A20-26B6-41D6-928F-0D0D3C622D3C}" type="datetimeFigureOut">
               <a:rPr lang="en-GB" smtClean="0"/>
-              <a:t>13/11/2024</a:t>
+              <a:t>14/11/2024</a:t>
             </a:fld>
             <a:endParaRPr lang="en-GB"/>
           </a:p>
@@ -698,7 +699,7 @@
           <a:p>
             <a:fld id="{71FE8A20-26B6-41D6-928F-0D0D3C622D3C}" type="datetimeFigureOut">
               <a:rPr lang="en-GB" smtClean="0"/>
-              <a:t>13/11/2024</a:t>
+              <a:t>14/11/2024</a:t>
             </a:fld>
             <a:endParaRPr lang="en-GB"/>
           </a:p>
@@ -898,7 +899,7 @@
           <a:p>
             <a:fld id="{71FE8A20-26B6-41D6-928F-0D0D3C622D3C}" type="datetimeFigureOut">
               <a:rPr lang="en-GB" smtClean="0"/>
-              <a:t>13/11/2024</a:t>
+              <a:t>14/11/2024</a:t>
             </a:fld>
             <a:endParaRPr lang="en-GB"/>
           </a:p>
@@ -1174,7 +1175,7 @@
           <a:p>
             <a:fld id="{71FE8A20-26B6-41D6-928F-0D0D3C622D3C}" type="datetimeFigureOut">
               <a:rPr lang="en-GB" smtClean="0"/>
-              <a:t>13/11/2024</a:t>
+              <a:t>14/11/2024</a:t>
             </a:fld>
             <a:endParaRPr lang="en-GB"/>
           </a:p>
@@ -1442,7 +1443,7 @@
           <a:p>
             <a:fld id="{71FE8A20-26B6-41D6-928F-0D0D3C622D3C}" type="datetimeFigureOut">
               <a:rPr lang="en-GB" smtClean="0"/>
-              <a:t>13/11/2024</a:t>
+              <a:t>14/11/2024</a:t>
             </a:fld>
             <a:endParaRPr lang="en-GB"/>
           </a:p>
@@ -1857,7 +1858,7 @@
           <a:p>
             <a:fld id="{71FE8A20-26B6-41D6-928F-0D0D3C622D3C}" type="datetimeFigureOut">
               <a:rPr lang="en-GB" smtClean="0"/>
-              <a:t>13/11/2024</a:t>
+              <a:t>14/11/2024</a:t>
             </a:fld>
             <a:endParaRPr lang="en-GB"/>
           </a:p>
@@ -1999,7 +2000,7 @@
           <a:p>
             <a:fld id="{71FE8A20-26B6-41D6-928F-0D0D3C622D3C}" type="datetimeFigureOut">
               <a:rPr lang="en-GB" smtClean="0"/>
-              <a:t>13/11/2024</a:t>
+              <a:t>14/11/2024</a:t>
             </a:fld>
             <a:endParaRPr lang="en-GB"/>
           </a:p>
@@ -2112,7 +2113,7 @@
           <a:p>
             <a:fld id="{71FE8A20-26B6-41D6-928F-0D0D3C622D3C}" type="datetimeFigureOut">
               <a:rPr lang="en-GB" smtClean="0"/>
-              <a:t>13/11/2024</a:t>
+              <a:t>14/11/2024</a:t>
             </a:fld>
             <a:endParaRPr lang="en-GB"/>
           </a:p>
@@ -2425,7 +2426,7 @@
           <a:p>
             <a:fld id="{71FE8A20-26B6-41D6-928F-0D0D3C622D3C}" type="datetimeFigureOut">
               <a:rPr lang="en-GB" smtClean="0"/>
-              <a:t>13/11/2024</a:t>
+              <a:t>14/11/2024</a:t>
             </a:fld>
             <a:endParaRPr lang="en-GB"/>
           </a:p>
@@ -2714,7 +2715,7 @@
           <a:p>
             <a:fld id="{71FE8A20-26B6-41D6-928F-0D0D3C622D3C}" type="datetimeFigureOut">
               <a:rPr lang="en-GB" smtClean="0"/>
-              <a:t>13/11/2024</a:t>
+              <a:t>14/11/2024</a:t>
             </a:fld>
             <a:endParaRPr lang="en-GB"/>
           </a:p>
@@ -2957,7 +2958,7 @@
           <a:p>
             <a:fld id="{71FE8A20-26B6-41D6-928F-0D0D3C622D3C}" type="datetimeFigureOut">
               <a:rPr lang="en-GB" smtClean="0"/>
-              <a:t>13/11/2024</a:t>
+              <a:t>14/11/2024</a:t>
             </a:fld>
             <a:endParaRPr lang="en-GB"/>
           </a:p>
@@ -5572,77 +5573,244 @@
           </a:p>
         </p:txBody>
       </p:sp>
-      <p:pic>
-        <p:nvPicPr>
-          <p:cNvPr id="4" name="Image 3">
-            <a:extLst>
-              <a:ext uri="{FF2B5EF4-FFF2-40B4-BE49-F238E27FC236}">
-                <a16:creationId xmlns:a16="http://schemas.microsoft.com/office/drawing/2014/main" id="{FDCBAF2B-D8A6-4117-3B74-D38DBDC79624}"/>
-              </a:ext>
-            </a:extLst>
-          </p:cNvPr>
-          <p:cNvPicPr>
-            <a:picLocks noChangeAspect="1"/>
-          </p:cNvPicPr>
-          <p:nvPr/>
-        </p:nvPicPr>
-        <p:blipFill>
-          <a:blip r:embed="rId2">
-            <a:extLst>
-              <a:ext uri="{28A0092B-C50C-407E-A947-70E740481C1C}">
-                <a14:useLocalDpi xmlns:a14="http://schemas.microsoft.com/office/drawing/2010/main" val="0"/>
-              </a:ext>
-            </a:extLst>
-          </a:blip>
-          <a:stretch>
-            <a:fillRect/>
-          </a:stretch>
-        </p:blipFill>
-        <p:spPr>
-          <a:xfrm>
-            <a:off x="322490" y="1691489"/>
-            <a:ext cx="6256562" cy="1737511"/>
-          </a:xfrm>
-          <a:prstGeom prst="rect">
-            <a:avLst/>
-          </a:prstGeom>
-        </p:spPr>
-      </p:pic>
-      <p:sp>
-        <p:nvSpPr>
-          <p:cNvPr id="5" name="ZoneTexte 4">
-            <a:extLst>
-              <a:ext uri="{FF2B5EF4-FFF2-40B4-BE49-F238E27FC236}">
-                <a16:creationId xmlns:a16="http://schemas.microsoft.com/office/drawing/2014/main" id="{8E69BBBD-7E03-4FF7-CD2B-DCCFE81E0E63}"/>
-              </a:ext>
-            </a:extLst>
-          </p:cNvPr>
-          <p:cNvSpPr txBox="1"/>
-          <p:nvPr/>
-        </p:nvSpPr>
-        <p:spPr>
-          <a:xfrm>
-            <a:off x="425267" y="1189850"/>
-            <a:ext cx="926279" cy="369332"/>
-          </a:xfrm>
-          <a:prstGeom prst="rect">
-            <a:avLst/>
-          </a:prstGeom>
-          <a:noFill/>
-        </p:spPr>
-        <p:txBody>
-          <a:bodyPr wrap="none" rtlCol="0">
-            <a:spAutoFit/>
-          </a:bodyPr>
-          <a:lstStyle/>
-          <a:p>
-            <a:r>
-              <a:rPr lang="en-GB" b="1" dirty="0"/>
-              <a:t>Page 94</a:t>
-            </a:r>
-          </a:p>
-        </p:txBody>
-      </p:sp>
+      <mc:AlternateContent xmlns:mc="http://schemas.openxmlformats.org/markup-compatibility/2006">
+        <mc:Choice xmlns:a14="http://schemas.microsoft.com/office/drawing/2010/main" Requires="a14">
+          <p:sp>
+            <p:nvSpPr>
+              <p:cNvPr id="3" name="ZoneTexte 2">
+                <a:extLst>
+                  <a:ext uri="{FF2B5EF4-FFF2-40B4-BE49-F238E27FC236}">
+                    <a16:creationId xmlns:a16="http://schemas.microsoft.com/office/drawing/2014/main" id="{D8D3BE31-D707-2DD7-F988-92BF818D08BB}"/>
+                  </a:ext>
+                </a:extLst>
+              </p:cNvPr>
+              <p:cNvSpPr txBox="1"/>
+              <p:nvPr/>
+            </p:nvSpPr>
+            <p:spPr>
+              <a:xfrm>
+                <a:off x="1524000" y="1747157"/>
+                <a:ext cx="9144000" cy="4031873"/>
+              </a:xfrm>
+              <a:prstGeom prst="rect">
+                <a:avLst/>
+              </a:prstGeom>
+              <a:noFill/>
+            </p:spPr>
+            <p:txBody>
+              <a:bodyPr wrap="square" rtlCol="0">
+                <a:spAutoFit/>
+              </a:bodyPr>
+              <a:lstStyle/>
+              <a:p>
+                <a:r>
+                  <a:rPr lang="en-GB" sz="3200" dirty="0"/>
+                  <a:t>On </a:t>
+                </a:r>
+                <a:r>
+                  <a:rPr lang="en-GB" sz="3200" dirty="0" err="1"/>
+                  <a:t>définit</a:t>
+                </a:r>
+                <a:r>
+                  <a:rPr lang="en-GB" sz="3200" dirty="0"/>
+                  <a:t> </a:t>
+                </a:r>
+                <a:r>
+                  <a:rPr lang="en-GB" sz="3200" dirty="0" err="1"/>
+                  <a:t>une</a:t>
+                </a:r>
+                <a:r>
+                  <a:rPr lang="en-GB" sz="3200" dirty="0"/>
+                  <a:t> </a:t>
+                </a:r>
+                <a:r>
+                  <a:rPr lang="en-GB" sz="3200" dirty="0" err="1"/>
+                  <a:t>fonction</a:t>
+                </a:r>
+                <a:r>
+                  <a:rPr lang="en-GB" sz="3200" dirty="0"/>
+                  <a:t> affine f sur </a:t>
+                </a:r>
+                <a14:m>
+                  <m:oMath xmlns:m="http://schemas.openxmlformats.org/officeDocument/2006/math">
+                    <m:r>
+                      <a:rPr lang="en-GB" sz="3200" i="1" smtClean="0">
+                        <a:latin typeface="Cambria Math" panose="02040503050406030204" pitchFamily="18" charset="0"/>
+                        <a:ea typeface="Cambria Math" panose="02040503050406030204" pitchFamily="18" charset="0"/>
+                      </a:rPr>
+                      <m:t>ℝ</m:t>
+                    </m:r>
+                  </m:oMath>
+                </a14:m>
+                <a:r>
+                  <a:rPr lang="en-GB" sz="3200" dirty="0"/>
+                  <a:t> </a:t>
+                </a:r>
+                <a:r>
+                  <a:rPr lang="en-GB" sz="3200" dirty="0" err="1"/>
+                  <a:t>telle</a:t>
+                </a:r>
+                <a:r>
+                  <a:rPr lang="en-GB" sz="3200" dirty="0"/>
+                  <a:t> que </a:t>
+                </a:r>
+              </a:p>
+              <a:p>
+                <a:r>
+                  <a:rPr lang="en-GB" sz="3200" dirty="0"/>
+                  <a:t>f(x) = -5,5x+25</a:t>
+                </a:r>
+              </a:p>
+              <a:p>
+                <a:endParaRPr lang="en-GB" sz="3200" dirty="0"/>
+              </a:p>
+              <a:p>
+                <a:pPr marL="342900" indent="-342900">
+                  <a:buAutoNum type="arabicParenR"/>
+                </a:pPr>
+                <a:r>
+                  <a:rPr lang="en-GB" sz="3200" dirty="0" err="1"/>
+                  <a:t>Déterminer</a:t>
+                </a:r>
+                <a:r>
+                  <a:rPr lang="en-GB" sz="3200" dirty="0"/>
+                  <a:t> le </a:t>
+                </a:r>
+                <a:r>
+                  <a:rPr lang="en-GB" sz="3200" dirty="0" err="1"/>
+                  <a:t>sens</a:t>
+                </a:r>
+                <a:r>
+                  <a:rPr lang="en-GB" sz="3200" dirty="0"/>
+                  <a:t> de variation de la </a:t>
+                </a:r>
+                <a:r>
+                  <a:rPr lang="en-GB" sz="3200" dirty="0" err="1"/>
+                  <a:t>fonction</a:t>
+                </a:r>
+                <a:r>
+                  <a:rPr lang="en-GB" sz="3200" dirty="0"/>
+                  <a:t> f.</a:t>
+                </a:r>
+              </a:p>
+              <a:p>
+                <a:pPr marL="342900" indent="-342900">
+                  <a:buAutoNum type="arabicParenR"/>
+                </a:pPr>
+                <a:r>
+                  <a:rPr lang="en-GB" sz="3200" dirty="0"/>
+                  <a:t>Dresser le tableau de variation de la </a:t>
+                </a:r>
+                <a:r>
+                  <a:rPr lang="en-GB" sz="3200" dirty="0" err="1"/>
+                  <a:t>fonction</a:t>
+                </a:r>
+                <a:r>
+                  <a:rPr lang="en-GB" sz="3200" dirty="0"/>
+                  <a:t> f.</a:t>
+                </a:r>
+              </a:p>
+              <a:p>
+                <a:pPr marL="342900" indent="-342900">
+                  <a:buFontTx/>
+                  <a:buAutoNum type="arabicParenR"/>
+                </a:pPr>
+                <a:r>
+                  <a:rPr lang="en-GB" sz="3200" dirty="0"/>
+                  <a:t> Dresser le tableau de </a:t>
+                </a:r>
+                <a:r>
+                  <a:rPr lang="en-GB" sz="3200" dirty="0" err="1"/>
+                  <a:t>signe</a:t>
+                </a:r>
+                <a:r>
+                  <a:rPr lang="en-GB" sz="3200" dirty="0"/>
+                  <a:t> de la </a:t>
+                </a:r>
+                <a:r>
+                  <a:rPr lang="en-GB" sz="3200" dirty="0" err="1"/>
+                  <a:t>fonction</a:t>
+                </a:r>
+                <a:r>
+                  <a:rPr lang="en-GB" sz="3200" dirty="0"/>
+                  <a:t> f, </a:t>
+                </a:r>
+                <a:r>
+                  <a:rPr lang="en-GB" sz="3200" dirty="0" err="1"/>
+                  <a:t>en</a:t>
+                </a:r>
+                <a:r>
+                  <a:rPr lang="en-GB" sz="3200" dirty="0"/>
+                  <a:t> </a:t>
+                </a:r>
+                <a:r>
+                  <a:rPr lang="en-GB" sz="3200" dirty="0" err="1"/>
+                  <a:t>justifiant</a:t>
+                </a:r>
+                <a:r>
+                  <a:rPr lang="en-GB" sz="3200" dirty="0"/>
+                  <a:t> </a:t>
+                </a:r>
+                <a:r>
+                  <a:rPr lang="en-GB" sz="3200" dirty="0" err="1"/>
+                  <a:t>votre</a:t>
+                </a:r>
+                <a:r>
+                  <a:rPr lang="en-GB" sz="3200" dirty="0"/>
+                  <a:t> démarche.</a:t>
+                </a:r>
+              </a:p>
+              <a:p>
+                <a:endParaRPr lang="en-GB" sz="3200" dirty="0"/>
+              </a:p>
+            </p:txBody>
+          </p:sp>
+        </mc:Choice>
+        <mc:Fallback>
+          <p:sp>
+            <p:nvSpPr>
+              <p:cNvPr id="3" name="ZoneTexte 2">
+                <a:extLst>
+                  <a:ext uri="{FF2B5EF4-FFF2-40B4-BE49-F238E27FC236}">
+                    <a16:creationId xmlns:a16="http://schemas.microsoft.com/office/drawing/2014/main" id="{D8D3BE31-D707-2DD7-F988-92BF818D08BB}"/>
+                  </a:ext>
+                </a:extLst>
+              </p:cNvPr>
+              <p:cNvSpPr txBox="1">
+                <a:spLocks noRot="1" noChangeAspect="1" noMove="1" noResize="1" noEditPoints="1" noAdjustHandles="1" noChangeArrowheads="1" noChangeShapeType="1" noTextEdit="1"/>
+              </p:cNvSpPr>
+              <p:nvPr/>
+            </p:nvSpPr>
+            <p:spPr>
+              <a:xfrm>
+                <a:off x="1524000" y="1747157"/>
+                <a:ext cx="9144000" cy="4031873"/>
+              </a:xfrm>
+              <a:prstGeom prst="rect">
+                <a:avLst/>
+              </a:prstGeom>
+              <a:blipFill>
+                <a:blip r:embed="rId2"/>
+                <a:stretch>
+                  <a:fillRect l="-1733" t="-1815"/>
+                </a:stretch>
+              </a:blipFill>
+            </p:spPr>
+            <p:txBody>
+              <a:bodyPr/>
+              <a:lstStyle/>
+              <a:p>
+                <a:r>
+                  <a:rPr lang="en-GB">
+                    <a:noFill/>
+                  </a:rPr>
+                  <a:t> </a:t>
+                </a:r>
+              </a:p>
+            </p:txBody>
+          </p:sp>
+        </mc:Fallback>
+      </mc:AlternateContent>
     </p:spTree>
     <p:extLst>
       <p:ext uri="{BB962C8B-B14F-4D97-AF65-F5344CB8AC3E}">
@@ -5728,7 +5896,7 @@
           <p:cNvPr id="4" name="Image 3">
             <a:extLst>
               <a:ext uri="{FF2B5EF4-FFF2-40B4-BE49-F238E27FC236}">
-                <a16:creationId xmlns:a16="http://schemas.microsoft.com/office/drawing/2014/main" id="{6E8C12DD-3DD9-1DA0-0DD0-A45144D1DD8C}"/>
+                <a16:creationId xmlns:a16="http://schemas.microsoft.com/office/drawing/2014/main" id="{FDCBAF2B-D8A6-4117-3B74-D38DBDC79624}"/>
               </a:ext>
             </a:extLst>
           </p:cNvPr>
@@ -5751,8 +5919,8 @@
         </p:blipFill>
         <p:spPr>
           <a:xfrm>
-            <a:off x="325753" y="1542388"/>
-            <a:ext cx="5277991" cy="4935840"/>
+            <a:off x="322490" y="1691489"/>
+            <a:ext cx="6256562" cy="1737511"/>
           </a:xfrm>
           <a:prstGeom prst="rect">
             <a:avLst/>
@@ -5764,7 +5932,7 @@
           <p:cNvPr id="5" name="ZoneTexte 4">
             <a:extLst>
               <a:ext uri="{FF2B5EF4-FFF2-40B4-BE49-F238E27FC236}">
-                <a16:creationId xmlns:a16="http://schemas.microsoft.com/office/drawing/2014/main" id="{3A42B8A0-31A5-03B2-BFB5-2499730D926D}"/>
+                <a16:creationId xmlns:a16="http://schemas.microsoft.com/office/drawing/2014/main" id="{8E69BBBD-7E03-4FF7-CD2B-DCCFE81E0E63}"/>
               </a:ext>
             </a:extLst>
           </p:cNvPr>
@@ -5797,7 +5965,7 @@
     </p:spTree>
     <p:extLst>
       <p:ext uri="{BB962C8B-B14F-4D97-AF65-F5344CB8AC3E}">
-        <p14:creationId xmlns:p14="http://schemas.microsoft.com/office/powerpoint/2010/main" val="2376438583"/>
+        <p14:creationId xmlns:p14="http://schemas.microsoft.com/office/powerpoint/2010/main" val="3061255527"/>
       </p:ext>
     </p:extLst>
   </p:cSld>
@@ -5879,7 +6047,7 @@
           <p:cNvPr id="4" name="Image 3">
             <a:extLst>
               <a:ext uri="{FF2B5EF4-FFF2-40B4-BE49-F238E27FC236}">
-                <a16:creationId xmlns:a16="http://schemas.microsoft.com/office/drawing/2014/main" id="{DF7F655D-D3CB-29F3-6ED7-6DC5FD3041AE}"/>
+                <a16:creationId xmlns:a16="http://schemas.microsoft.com/office/drawing/2014/main" id="{6E8C12DD-3DD9-1DA0-0DD0-A45144D1DD8C}"/>
               </a:ext>
             </a:extLst>
           </p:cNvPr>
@@ -5888,7 +6056,7 @@
           </p:cNvPicPr>
           <p:nvPr/>
         </p:nvPicPr>
-        <p:blipFill rotWithShape="1">
+        <p:blipFill>
           <a:blip r:embed="rId2">
             <a:extLst>
               <a:ext uri="{28A0092B-C50C-407E-A947-70E740481C1C}">
@@ -5896,13 +6064,14 @@
               </a:ext>
             </a:extLst>
           </a:blip>
-          <a:srcRect l="2557"/>
-          <a:stretch/>
+          <a:stretch>
+            <a:fillRect/>
+          </a:stretch>
         </p:blipFill>
         <p:spPr>
           <a:xfrm>
-            <a:off x="653143" y="1818925"/>
-            <a:ext cx="6148524" cy="1783235"/>
+            <a:off x="325753" y="1542388"/>
+            <a:ext cx="5277991" cy="4935840"/>
           </a:xfrm>
           <a:prstGeom prst="rect">
             <a:avLst/>
@@ -5914,7 +6083,7 @@
           <p:cNvPr id="5" name="ZoneTexte 4">
             <a:extLst>
               <a:ext uri="{FF2B5EF4-FFF2-40B4-BE49-F238E27FC236}">
-                <a16:creationId xmlns:a16="http://schemas.microsoft.com/office/drawing/2014/main" id="{97BB94E5-4E82-6869-0CA2-0BA3544A0A40}"/>
+                <a16:creationId xmlns:a16="http://schemas.microsoft.com/office/drawing/2014/main" id="{3A42B8A0-31A5-03B2-BFB5-2499730D926D}"/>
               </a:ext>
             </a:extLst>
           </p:cNvPr>
@@ -5947,7 +6116,7 @@
     </p:spTree>
     <p:extLst>
       <p:ext uri="{BB962C8B-B14F-4D97-AF65-F5344CB8AC3E}">
-        <p14:creationId xmlns:p14="http://schemas.microsoft.com/office/powerpoint/2010/main" val="36365978"/>
+        <p14:creationId xmlns:p14="http://schemas.microsoft.com/office/powerpoint/2010/main" val="2376438583"/>
       </p:ext>
     </p:extLst>
   </p:cSld>
@@ -6024,12 +6193,47 @@
           </a:p>
         </p:txBody>
       </p:sp>
-      <p:sp>
-        <p:nvSpPr>
-          <p:cNvPr id="3" name="ZoneTexte 2">
-            <a:extLst>
-              <a:ext uri="{FF2B5EF4-FFF2-40B4-BE49-F238E27FC236}">
-                <a16:creationId xmlns:a16="http://schemas.microsoft.com/office/drawing/2014/main" id="{A499F1EC-CAE0-55AD-09F4-FC4662A77E22}"/>
+      <p:pic>
+        <p:nvPicPr>
+          <p:cNvPr id="4" name="Image 3">
+            <a:extLst>
+              <a:ext uri="{FF2B5EF4-FFF2-40B4-BE49-F238E27FC236}">
+                <a16:creationId xmlns:a16="http://schemas.microsoft.com/office/drawing/2014/main" id="{DF7F655D-D3CB-29F3-6ED7-6DC5FD3041AE}"/>
+              </a:ext>
+            </a:extLst>
+          </p:cNvPr>
+          <p:cNvPicPr>
+            <a:picLocks noChangeAspect="1"/>
+          </p:cNvPicPr>
+          <p:nvPr/>
+        </p:nvPicPr>
+        <p:blipFill rotWithShape="1">
+          <a:blip r:embed="rId2">
+            <a:extLst>
+              <a:ext uri="{28A0092B-C50C-407E-A947-70E740481C1C}">
+                <a14:useLocalDpi xmlns:a14="http://schemas.microsoft.com/office/drawing/2010/main" val="0"/>
+              </a:ext>
+            </a:extLst>
+          </a:blip>
+          <a:srcRect l="2557"/>
+          <a:stretch/>
+        </p:blipFill>
+        <p:spPr>
+          <a:xfrm>
+            <a:off x="653143" y="1818925"/>
+            <a:ext cx="6148524" cy="1783235"/>
+          </a:xfrm>
+          <a:prstGeom prst="rect">
+            <a:avLst/>
+          </a:prstGeom>
+        </p:spPr>
+      </p:pic>
+      <p:sp>
+        <p:nvSpPr>
+          <p:cNvPr id="5" name="ZoneTexte 4">
+            <a:extLst>
+              <a:ext uri="{FF2B5EF4-FFF2-40B4-BE49-F238E27FC236}">
+                <a16:creationId xmlns:a16="http://schemas.microsoft.com/office/drawing/2014/main" id="{97BB94E5-4E82-6869-0CA2-0BA3544A0A40}"/>
               </a:ext>
             </a:extLst>
           </p:cNvPr>
@@ -6062,7 +6266,7 @@
     </p:spTree>
     <p:extLst>
       <p:ext uri="{BB962C8B-B14F-4D97-AF65-F5344CB8AC3E}">
-        <p14:creationId xmlns:p14="http://schemas.microsoft.com/office/powerpoint/2010/main" val="3342600334"/>
+        <p14:creationId xmlns:p14="http://schemas.microsoft.com/office/powerpoint/2010/main" val="36365978"/>
       </p:ext>
     </p:extLst>
   </p:cSld>
@@ -6139,10 +6343,45 @@
           </a:p>
         </p:txBody>
       </p:sp>
+      <p:sp>
+        <p:nvSpPr>
+          <p:cNvPr id="3" name="ZoneTexte 2">
+            <a:extLst>
+              <a:ext uri="{FF2B5EF4-FFF2-40B4-BE49-F238E27FC236}">
+                <a16:creationId xmlns:a16="http://schemas.microsoft.com/office/drawing/2014/main" id="{A499F1EC-CAE0-55AD-09F4-FC4662A77E22}"/>
+              </a:ext>
+            </a:extLst>
+          </p:cNvPr>
+          <p:cNvSpPr txBox="1"/>
+          <p:nvPr/>
+        </p:nvSpPr>
+        <p:spPr>
+          <a:xfrm>
+            <a:off x="425267" y="1189850"/>
+            <a:ext cx="926279" cy="369332"/>
+          </a:xfrm>
+          <a:prstGeom prst="rect">
+            <a:avLst/>
+          </a:prstGeom>
+          <a:noFill/>
+        </p:spPr>
+        <p:txBody>
+          <a:bodyPr wrap="none" rtlCol="0">
+            <a:spAutoFit/>
+          </a:bodyPr>
+          <a:lstStyle/>
+          <a:p>
+            <a:r>
+              <a:rPr lang="en-GB" b="1" dirty="0"/>
+              <a:t>Page 94</a:t>
+            </a:r>
+          </a:p>
+        </p:txBody>
+      </p:sp>
     </p:spTree>
     <p:extLst>
       <p:ext uri="{BB962C8B-B14F-4D97-AF65-F5344CB8AC3E}">
-        <p14:creationId xmlns:p14="http://schemas.microsoft.com/office/powerpoint/2010/main" val="3685156455"/>
+        <p14:creationId xmlns:p14="http://schemas.microsoft.com/office/powerpoint/2010/main" val="3342600334"/>
       </p:ext>
     </p:extLst>
   </p:cSld>
@@ -6222,7 +6461,7 @@
     </p:spTree>
     <p:extLst>
       <p:ext uri="{BB962C8B-B14F-4D97-AF65-F5344CB8AC3E}">
-        <p14:creationId xmlns:p14="http://schemas.microsoft.com/office/powerpoint/2010/main" val="1227370857"/>
+        <p14:creationId xmlns:p14="http://schemas.microsoft.com/office/powerpoint/2010/main" val="3685156455"/>
       </p:ext>
     </p:extLst>
   </p:cSld>
@@ -6302,6 +6541,86 @@
     </p:spTree>
     <p:extLst>
       <p:ext uri="{BB962C8B-B14F-4D97-AF65-F5344CB8AC3E}">
+        <p14:creationId xmlns:p14="http://schemas.microsoft.com/office/powerpoint/2010/main" val="1227370857"/>
+      </p:ext>
+    </p:extLst>
+  </p:cSld>
+  <p:clrMapOvr>
+    <a:masterClrMapping/>
+  </p:clrMapOvr>
+</p:sld>
+</file>
+
+<file path=ppt/slides/slide28.xml><?xml version="1.0" encoding="utf-8"?>
+<p:sld xmlns:a="http://schemas.openxmlformats.org/drawingml/2006/main" xmlns:r="http://schemas.openxmlformats.org/officeDocument/2006/relationships" xmlns:p="http://schemas.openxmlformats.org/presentationml/2006/main">
+  <p:cSld>
+    <p:bg>
+      <p:bgPr>
+        <a:solidFill>
+          <a:schemeClr val="accent6">
+            <a:lumMod val="20000"/>
+            <a:lumOff val="80000"/>
+          </a:schemeClr>
+        </a:solidFill>
+        <a:effectLst/>
+      </p:bgPr>
+    </p:bg>
+    <p:spTree>
+      <p:nvGrpSpPr>
+        <p:cNvPr id="1" name=""/>
+        <p:cNvGrpSpPr/>
+        <p:nvPr/>
+      </p:nvGrpSpPr>
+      <p:grpSpPr>
+        <a:xfrm>
+          <a:off x="0" y="0"/>
+          <a:ext cx="0" cy="0"/>
+          <a:chOff x="0" y="0"/>
+          <a:chExt cx="0" cy="0"/>
+        </a:xfrm>
+      </p:grpSpPr>
+      <p:sp>
+        <p:nvSpPr>
+          <p:cNvPr id="2" name="Titre 1">
+            <a:extLst>
+              <a:ext uri="{FF2B5EF4-FFF2-40B4-BE49-F238E27FC236}">
+                <a16:creationId xmlns:a16="http://schemas.microsoft.com/office/drawing/2014/main" id="{9347D60B-5A55-0926-B390-220D7E97A7C1}"/>
+              </a:ext>
+            </a:extLst>
+          </p:cNvPr>
+          <p:cNvSpPr>
+            <a:spLocks noGrp="1"/>
+          </p:cNvSpPr>
+          <p:nvPr>
+            <p:ph type="ctrTitle"/>
+          </p:nvPr>
+        </p:nvSpPr>
+        <p:spPr>
+          <a:xfrm>
+            <a:off x="1524000" y="379772"/>
+            <a:ext cx="9144000" cy="913171"/>
+          </a:xfrm>
+        </p:spPr>
+        <p:txBody>
+          <a:bodyPr>
+            <a:normAutofit fontScale="90000"/>
+          </a:bodyPr>
+          <a:lstStyle/>
+          <a:p>
+            <a:r>
+              <a:rPr lang="en-GB" u="sng" dirty="0" err="1"/>
+              <a:t>Chapitre</a:t>
+            </a:r>
+            <a:r>
+              <a:rPr lang="en-GB" u="sng" dirty="0"/>
+              <a:t> 2 </a:t>
+            </a:r>
+          </a:p>
+        </p:txBody>
+      </p:sp>
+    </p:spTree>
+    <p:extLst>
+      <p:ext uri="{BB962C8B-B14F-4D97-AF65-F5344CB8AC3E}">
         <p14:creationId xmlns:p14="http://schemas.microsoft.com/office/powerpoint/2010/main" val="410526935"/>
       </p:ext>
     </p:extLst>
@@ -6312,7 +6631,7 @@
 </p:sld>
 </file>
 
-<file path=ppt/slides/slide28.xml><?xml version="1.0" encoding="utf-8"?>
+<file path=ppt/slides/slide29.xml><?xml version="1.0" encoding="utf-8"?>
 <p:sld xmlns:a="http://schemas.openxmlformats.org/drawingml/2006/main" xmlns:r="http://schemas.openxmlformats.org/officeDocument/2006/relationships" xmlns:p="http://schemas.openxmlformats.org/presentationml/2006/main">
   <p:cSld>
     <p:bg>
